--- a/Poster.pptx
+++ b/Poster.pptx
@@ -4994,7 +4994,7 @@
         <p:spPr>
           <a:xfrm>
             <a:off x="410328" y="8521244"/>
-            <a:ext cx="15163800" cy="15111829"/>
+            <a:ext cx="15163800" cy="6586418"/>
           </a:xfrm>
           <a:prstGeom prst="rect">
             <a:avLst/>
@@ -5027,6 +5027,12 @@
           <a:p>
             <a:r>
               <a:rPr lang="en-US" sz="4800" dirty="0"/>
+              <a:t>   - View course location with Google Maps</a:t>
+            </a:r>
+          </a:p>
+          <a:p>
+            <a:r>
+              <a:rPr lang="en-US" sz="4800" dirty="0"/>
               <a:t> - Create and view lectures</a:t>
             </a:r>
           </a:p>
@@ -5038,37 +5044,9 @@
           </a:p>
           <a:p>
             <a:r>
-              <a:rPr lang="en-US" sz="4800"/>
-              <a:t> -</a:t>
-            </a:r>
-            <a:r>
               <a:rPr lang="en-US" sz="4800" dirty="0"/>
-              <a:t> </a:t>
-            </a:r>
-          </a:p>
-          <a:p>
-            <a:endParaRPr lang="en-US" dirty="0"/>
-          </a:p>
-          <a:p>
-            <a:endParaRPr lang="en-US" dirty="0"/>
-          </a:p>
-          <a:p>
-            <a:r>
-              <a:rPr lang="en-US" dirty="0"/>
-              <a:t>Actors and Use Cases</a:t>
-            </a:r>
-          </a:p>
-          <a:p>
-            <a:endParaRPr lang="en-US" dirty="0"/>
-          </a:p>
-          <a:p>
-            <a:endParaRPr lang="en-US" dirty="0"/>
-          </a:p>
-          <a:p>
-            <a:endParaRPr lang="en-US" dirty="0"/>
-          </a:p>
-          <a:p>
-            <a:endParaRPr lang="en-US" dirty="0" err="1"/>
+              <a:t> - Professor and student chatrooms by course</a:t>
+            </a:r>
           </a:p>
         </p:txBody>
       </p:sp>
@@ -5186,7 +5164,7 @@
         </p:nvSpPr>
         <p:spPr>
           <a:xfrm>
-            <a:off x="379848" y="27432000"/>
+            <a:off x="448428" y="28792529"/>
             <a:ext cx="15163800" cy="8032968"/>
           </a:xfrm>
           <a:prstGeom prst="rect">
@@ -5236,7 +5214,7 @@
         </p:nvSpPr>
         <p:spPr>
           <a:xfrm>
-            <a:off x="16535400" y="17273351"/>
+            <a:off x="16535400" y="27199471"/>
             <a:ext cx="15163800" cy="6709529"/>
           </a:xfrm>
           <a:prstGeom prst="rect">
@@ -5328,6 +5306,221 @@
           </a:p>
         </p:txBody>
       </p:sp>
+      <p:sp>
+        <p:nvSpPr>
+          <p:cNvPr id="12" name="TextBox 11">
+            <a:extLst>
+              <a:ext uri="{FF2B5EF4-FFF2-40B4-BE49-F238E27FC236}">
+                <a16:creationId xmlns:a16="http://schemas.microsoft.com/office/drawing/2014/main" id="{934ECC43-6289-4087-A0B1-8C4979F8ED3F}"/>
+              </a:ext>
+            </a:extLst>
+          </p:cNvPr>
+          <p:cNvSpPr txBox="1"/>
+          <p:nvPr/>
+        </p:nvSpPr>
+        <p:spPr>
+          <a:xfrm>
+            <a:off x="448428" y="15445384"/>
+            <a:ext cx="17305020" cy="12495728"/>
+          </a:xfrm>
+          <a:prstGeom prst="rect">
+            <a:avLst/>
+          </a:prstGeom>
+          <a:noFill/>
+        </p:spPr>
+        <p:txBody>
+          <a:bodyPr wrap="square" rtlCol="0">
+            <a:spAutoFit/>
+          </a:bodyPr>
+          <a:lstStyle/>
+          <a:p>
+            <a:r>
+              <a:rPr lang="en-US" dirty="0"/>
+              <a:t>Actors and Use Cases</a:t>
+            </a:r>
+          </a:p>
+          <a:p>
+            <a:r>
+              <a:rPr lang="en-US" sz="4800" dirty="0"/>
+              <a:t>Administrators</a:t>
+            </a:r>
+          </a:p>
+          <a:p>
+            <a:r>
+              <a:rPr lang="en-US" sz="4800" dirty="0"/>
+              <a:t> - Create course</a:t>
+            </a:r>
+          </a:p>
+          <a:p>
+            <a:r>
+              <a:rPr lang="en-US" sz="4800" dirty="0"/>
+              <a:t> - Enroll students and professors</a:t>
+            </a:r>
+          </a:p>
+          <a:p>
+            <a:r>
+              <a:rPr lang="en-US" sz="4800" dirty="0"/>
+              <a:t> - View all users</a:t>
+            </a:r>
+          </a:p>
+          <a:p>
+            <a:r>
+              <a:rPr lang="en-US" sz="4800" dirty="0"/>
+              <a:t>Professors</a:t>
+            </a:r>
+          </a:p>
+          <a:p>
+            <a:r>
+              <a:rPr lang="en-US" sz="4800" dirty="0"/>
+              <a:t> - Create lectures by course</a:t>
+            </a:r>
+          </a:p>
+          <a:p>
+            <a:r>
+              <a:rPr lang="en-US" sz="4800" dirty="0"/>
+              <a:t> - Assign students to seats by lecture</a:t>
+            </a:r>
+          </a:p>
+          <a:p>
+            <a:r>
+              <a:rPr lang="en-US" sz="4800" dirty="0"/>
+              <a:t> - Open/close attendance by lecture</a:t>
+            </a:r>
+          </a:p>
+          <a:p>
+            <a:r>
+              <a:rPr lang="en-US" sz="4800" dirty="0"/>
+              <a:t> - View course location on Google Maps</a:t>
+            </a:r>
+          </a:p>
+          <a:p>
+            <a:r>
+              <a:rPr lang="en-US" sz="4800" dirty="0"/>
+              <a:t> - Chat with logged-in students within the course</a:t>
+            </a:r>
+          </a:p>
+          <a:p>
+            <a:r>
+              <a:rPr lang="en-US" sz="4800" dirty="0"/>
+              <a:t>Students</a:t>
+            </a:r>
+          </a:p>
+          <a:p>
+            <a:r>
+              <a:rPr lang="en-US" sz="4800" dirty="0"/>
+              <a:t> - View lectures by course</a:t>
+            </a:r>
+          </a:p>
+          <a:p>
+            <a:r>
+              <a:rPr lang="en-US" sz="4800" dirty="0"/>
+              <a:t> - Record attendance by lecture</a:t>
+            </a:r>
+          </a:p>
+          <a:p>
+            <a:r>
+              <a:rPr lang="en-US" sz="4800" dirty="0"/>
+              <a:t> - View course location on Google Maps</a:t>
+            </a:r>
+          </a:p>
+          <a:p>
+            <a:r>
+              <a:rPr lang="en-US" sz="4800" dirty="0"/>
+              <a:t> - Chat with professor and other logged-in students within the course</a:t>
+            </a:r>
+          </a:p>
+        </p:txBody>
+      </p:sp>
+      <p:pic>
+        <p:nvPicPr>
+          <p:cNvPr id="13" name="Picture 12">
+            <a:extLst>
+              <a:ext uri="{FF2B5EF4-FFF2-40B4-BE49-F238E27FC236}">
+                <a16:creationId xmlns:a16="http://schemas.microsoft.com/office/drawing/2014/main" id="{35E383BF-8F81-479E-B05D-814F805A5443}"/>
+              </a:ext>
+            </a:extLst>
+          </p:cNvPr>
+          <p:cNvPicPr>
+            <a:picLocks noChangeAspect="1"/>
+          </p:cNvPicPr>
+          <p:nvPr/>
+        </p:nvPicPr>
+        <p:blipFill>
+          <a:blip r:embed="rId3"/>
+          <a:stretch>
+            <a:fillRect/>
+          </a:stretch>
+        </p:blipFill>
+        <p:spPr>
+          <a:xfrm>
+            <a:off x="15612228" y="10442140"/>
+            <a:ext cx="7734299" cy="5305115"/>
+          </a:xfrm>
+          <a:prstGeom prst="rect">
+            <a:avLst/>
+          </a:prstGeom>
+        </p:spPr>
+      </p:pic>
+      <p:pic>
+        <p:nvPicPr>
+          <p:cNvPr id="14" name="Picture 13">
+            <a:extLst>
+              <a:ext uri="{FF2B5EF4-FFF2-40B4-BE49-F238E27FC236}">
+                <a16:creationId xmlns:a16="http://schemas.microsoft.com/office/drawing/2014/main" id="{4894670B-1B0C-43A3-8752-509F019A5926}"/>
+              </a:ext>
+            </a:extLst>
+          </p:cNvPr>
+          <p:cNvPicPr>
+            <a:picLocks noChangeAspect="1"/>
+          </p:cNvPicPr>
+          <p:nvPr/>
+        </p:nvPicPr>
+        <p:blipFill>
+          <a:blip r:embed="rId4"/>
+          <a:stretch>
+            <a:fillRect/>
+          </a:stretch>
+        </p:blipFill>
+        <p:spPr>
+          <a:xfrm>
+            <a:off x="24568967" y="10332393"/>
+            <a:ext cx="7539808" cy="5278547"/>
+          </a:xfrm>
+          <a:prstGeom prst="rect">
+            <a:avLst/>
+          </a:prstGeom>
+        </p:spPr>
+      </p:pic>
+      <p:pic>
+        <p:nvPicPr>
+          <p:cNvPr id="15" name="Picture 14">
+            <a:extLst>
+              <a:ext uri="{FF2B5EF4-FFF2-40B4-BE49-F238E27FC236}">
+                <a16:creationId xmlns:a16="http://schemas.microsoft.com/office/drawing/2014/main" id="{D6AAA830-283F-4FF7-9A43-9A96AECE4CE7}"/>
+              </a:ext>
+            </a:extLst>
+          </p:cNvPr>
+          <p:cNvPicPr>
+            <a:picLocks noChangeAspect="1"/>
+          </p:cNvPicPr>
+          <p:nvPr/>
+        </p:nvPicPr>
+        <p:blipFill>
+          <a:blip r:embed="rId5"/>
+          <a:stretch>
+            <a:fillRect/>
+          </a:stretch>
+        </p:blipFill>
+        <p:spPr>
+          <a:xfrm>
+            <a:off x="15574128" y="16566061"/>
+            <a:ext cx="7772399" cy="5964588"/>
+          </a:xfrm>
+          <a:prstGeom prst="rect">
+            <a:avLst/>
+          </a:prstGeom>
+        </p:spPr>
+      </p:pic>
     </p:spTree>
     <p:extLst>
       <p:ext uri="{BB962C8B-B14F-4D97-AF65-F5344CB8AC3E}">

--- a/Poster.pptx
+++ b/Poster.pptx
@@ -4993,7 +4993,7 @@
         </p:nvSpPr>
         <p:spPr>
           <a:xfrm>
-            <a:off x="410328" y="8521244"/>
+            <a:off x="410328" y="7162800"/>
             <a:ext cx="15163800" cy="6586418"/>
           </a:xfrm>
           <a:prstGeom prst="rect">
@@ -5117,7 +5117,7 @@
         </p:nvSpPr>
         <p:spPr>
           <a:xfrm>
-            <a:off x="16535400" y="8901411"/>
+            <a:off x="15169600" y="7820555"/>
             <a:ext cx="15163800" cy="6709529"/>
           </a:xfrm>
           <a:prstGeom prst="rect">
@@ -5164,8 +5164,8 @@
         </p:nvSpPr>
         <p:spPr>
           <a:xfrm>
-            <a:off x="448428" y="28792529"/>
-            <a:ext cx="15163800" cy="8032968"/>
+            <a:off x="785613" y="28879800"/>
+            <a:ext cx="15163800" cy="1415772"/>
           </a:xfrm>
           <a:prstGeom prst="rect">
             <a:avLst/>
@@ -5182,21 +5182,6 @@
               <a:rPr lang="en-US" dirty="0"/>
               <a:t>Block Diagram</a:t>
             </a:r>
-          </a:p>
-          <a:p>
-            <a:endParaRPr lang="en-US" dirty="0"/>
-          </a:p>
-          <a:p>
-            <a:endParaRPr lang="en-US" dirty="0"/>
-          </a:p>
-          <a:p>
-            <a:endParaRPr lang="en-US" dirty="0"/>
-          </a:p>
-          <a:p>
-            <a:endParaRPr lang="en-US" dirty="0"/>
-          </a:p>
-          <a:p>
-            <a:endParaRPr lang="en-US" dirty="0" err="1"/>
           </a:p>
         </p:txBody>
       </p:sp>
@@ -5214,8 +5199,8 @@
         </p:nvSpPr>
         <p:spPr>
           <a:xfrm>
-            <a:off x="16535400" y="27199471"/>
-            <a:ext cx="15163800" cy="6709529"/>
+            <a:off x="14389788" y="21793200"/>
+            <a:ext cx="17309412" cy="13234392"/>
           </a:xfrm>
           <a:prstGeom prst="rect">
             <a:avLst/>
@@ -5230,20 +5215,75 @@
           <a:p>
             <a:r>
               <a:rPr lang="en-US" dirty="0"/>
-              <a:t>Some interfaces</a:t>
-            </a:r>
-          </a:p>
-          <a:p>
-            <a:endParaRPr lang="en-US" dirty="0"/>
-          </a:p>
-          <a:p>
-            <a:endParaRPr lang="en-US" dirty="0"/>
-          </a:p>
-          <a:p>
-            <a:endParaRPr lang="en-US" dirty="0"/>
-          </a:p>
-          <a:p>
-            <a:endParaRPr lang="en-US" dirty="0" err="1"/>
+              <a:t>Select Module Interfaces</a:t>
+            </a:r>
+          </a:p>
+          <a:p>
+            <a:r>
+              <a:rPr lang="en-US" sz="4800" dirty="0"/>
+              <a:t>Admin: Directs the logged-in administrator user to the </a:t>
+            </a:r>
+          </a:p>
+          <a:p>
+            <a:r>
+              <a:rPr lang="en-US" sz="4800" dirty="0"/>
+              <a:t>correct pages </a:t>
+            </a:r>
+          </a:p>
+          <a:p>
+            <a:r>
+              <a:rPr lang="en-US" sz="4800" dirty="0"/>
+              <a:t>   by get and post maps</a:t>
+            </a:r>
+          </a:p>
+          <a:p>
+            <a:r>
+              <a:rPr lang="en-US" sz="4800" dirty="0"/>
+              <a:t> - Enroll User: Get mapping generates the list of courses and students and adds them to the model; Post mapping assigns the selected students to the chosen course with a call to the repo</a:t>
+            </a:r>
+          </a:p>
+          <a:p>
+            <a:r>
+              <a:rPr lang="en-US" sz="4800" dirty="0"/>
+              <a:t> - Create Course: Get mapping attaches the list of locations to chose from; Post mapping saves the user-entered course data to the repo</a:t>
+            </a:r>
+          </a:p>
+          <a:p>
+            <a:r>
+              <a:rPr lang="en-US" sz="4800" dirty="0"/>
+              <a:t>Chat: Functions that control how the messages route over </a:t>
+            </a:r>
+            <a:r>
+              <a:rPr lang="en-US" sz="4800" dirty="0" err="1"/>
+              <a:t>Websocket</a:t>
+            </a:r>
+            <a:endParaRPr lang="en-US" sz="4800" dirty="0"/>
+          </a:p>
+          <a:p>
+            <a:r>
+              <a:rPr lang="en-US" sz="4800" dirty="0"/>
+              <a:t> - </a:t>
+            </a:r>
+            <a:r>
+              <a:rPr lang="en-US" sz="4800" dirty="0" err="1"/>
+              <a:t>sendMessage</a:t>
+            </a:r>
+            <a:r>
+              <a:rPr lang="en-US" sz="4800" dirty="0"/>
+              <a:t>: Routes the message mapping to the correct course instance topic</a:t>
+            </a:r>
+          </a:p>
+          <a:p>
+            <a:r>
+              <a:rPr lang="en-US" sz="4800" dirty="0"/>
+              <a:t>Notification: Generates notifications for created lectures and attaches to student views</a:t>
+            </a:r>
+          </a:p>
+          <a:p>
+            <a:r>
+              <a:rPr lang="en-US" sz="4800" dirty="0"/>
+              <a:t> - Generation: Creates a notification when lecture created and sets an expiration on it</a:t>
+            </a:r>
           </a:p>
         </p:txBody>
       </p:sp>
@@ -5261,8 +5301,8 @@
         </p:nvSpPr>
         <p:spPr>
           <a:xfrm>
-            <a:off x="17753448" y="30708600"/>
-            <a:ext cx="15163800" cy="10679847"/>
+            <a:off x="14389788" y="35052000"/>
+            <a:ext cx="18147612" cy="3631763"/>
           </a:xfrm>
           <a:prstGeom prst="rect">
             <a:avLst/>
@@ -5277,32 +5317,39 @@
           <a:p>
             <a:r>
               <a:rPr lang="en-US" dirty="0"/>
-              <a:t>Decisions</a:t>
-            </a:r>
-          </a:p>
-          <a:p>
-            <a:endParaRPr lang="en-US" dirty="0"/>
-          </a:p>
-          <a:p>
-            <a:endParaRPr lang="en-US" dirty="0"/>
-          </a:p>
-          <a:p>
-            <a:r>
-              <a:rPr lang="en-US" dirty="0"/>
-              <a:t>Teamwork</a:t>
-            </a:r>
-          </a:p>
-          <a:p>
-            <a:endParaRPr lang="en-US" dirty="0"/>
-          </a:p>
-          <a:p>
-            <a:endParaRPr lang="en-US" dirty="0"/>
-          </a:p>
-          <a:p>
-            <a:endParaRPr lang="en-US" dirty="0"/>
-          </a:p>
-          <a:p>
-            <a:endParaRPr lang="en-US" dirty="0" err="1"/>
+              <a:t>Design Decisions</a:t>
+            </a:r>
+          </a:p>
+          <a:p>
+            <a:r>
+              <a:rPr lang="en-US" sz="4800" dirty="0"/>
+              <a:t> - Used html instead of </a:t>
+            </a:r>
+            <a:r>
+              <a:rPr lang="en-US" sz="4800" dirty="0" err="1"/>
+              <a:t>jpa</a:t>
+            </a:r>
+            <a:endParaRPr lang="en-US" sz="4800" dirty="0"/>
+          </a:p>
+          <a:p>
+            <a:r>
+              <a:rPr lang="en-US" sz="4800" dirty="0"/>
+              <a:t> - Spring MVC, </a:t>
+            </a:r>
+            <a:r>
+              <a:rPr lang="en-US" sz="4800" dirty="0" err="1"/>
+              <a:t>Thymeleaf</a:t>
+            </a:r>
+            <a:r>
+              <a:rPr lang="en-US" sz="4800" dirty="0"/>
+              <a:t>, and MySQL</a:t>
+            </a:r>
+          </a:p>
+          <a:p>
+            <a:r>
+              <a:rPr lang="en-US" sz="4800" dirty="0"/>
+              <a:t> - Separated functions and methods by user type</a:t>
+            </a:r>
           </a:p>
         </p:txBody>
       </p:sp>
@@ -5320,8 +5367,8 @@
         </p:nvSpPr>
         <p:spPr>
           <a:xfrm>
-            <a:off x="448428" y="15445384"/>
-            <a:ext cx="17305020" cy="12495728"/>
+            <a:off x="990600" y="14097000"/>
+            <a:ext cx="13399188" cy="14711720"/>
           </a:xfrm>
           <a:prstGeom prst="rect">
             <a:avLst/>
@@ -5390,6 +5437,18 @@
           <a:p>
             <a:r>
               <a:rPr lang="en-US" sz="4800" dirty="0"/>
+              <a:t> - Create assignments</a:t>
+            </a:r>
+          </a:p>
+          <a:p>
+            <a:r>
+              <a:rPr lang="en-US" sz="4800" dirty="0"/>
+              <a:t> - Assign grades</a:t>
+            </a:r>
+          </a:p>
+          <a:p>
+            <a:r>
+              <a:rPr lang="en-US" sz="4800" dirty="0"/>
               <a:t> - View course location on Google Maps</a:t>
             </a:r>
           </a:p>
@@ -5426,7 +5485,13 @@
           <a:p>
             <a:r>
               <a:rPr lang="en-US" sz="4800" dirty="0"/>
-              <a:t> - Chat with professor and other logged-in students within the course</a:t>
+              <a:t> - Chat with professor and other logged-in students </a:t>
+            </a:r>
+          </a:p>
+          <a:p>
+            <a:r>
+              <a:rPr lang="en-US" sz="4800" dirty="0"/>
+              <a:t>   within the course</a:t>
             </a:r>
           </a:p>
         </p:txBody>
@@ -5453,7 +5518,7 @@
         </p:blipFill>
         <p:spPr>
           <a:xfrm>
-            <a:off x="15612228" y="10442140"/>
+            <a:off x="15612228" y="9406147"/>
             <a:ext cx="7734299" cy="5305115"/>
           </a:xfrm>
           <a:prstGeom prst="rect">
@@ -5483,7 +5548,7 @@
         </p:blipFill>
         <p:spPr>
           <a:xfrm>
-            <a:off x="24568967" y="10332393"/>
+            <a:off x="24568967" y="9296400"/>
             <a:ext cx="7539808" cy="5278547"/>
           </a:xfrm>
           <a:prstGeom prst="rect">
@@ -5513,7 +5578,7 @@
         </p:blipFill>
         <p:spPr>
           <a:xfrm>
-            <a:off x="15574128" y="16566061"/>
+            <a:off x="15574128" y="15530068"/>
             <a:ext cx="7772399" cy="5964588"/>
           </a:xfrm>
           <a:prstGeom prst="rect">
@@ -5521,6 +5586,83 @@
           </a:prstGeom>
         </p:spPr>
       </p:pic>
+      <p:pic>
+        <p:nvPicPr>
+          <p:cNvPr id="2" name="Picture 1">
+            <a:extLst>
+              <a:ext uri="{FF2B5EF4-FFF2-40B4-BE49-F238E27FC236}">
+                <a16:creationId xmlns:a16="http://schemas.microsoft.com/office/drawing/2014/main" id="{28143871-0BFC-4E3E-9490-D3F1905D6291}"/>
+              </a:ext>
+            </a:extLst>
+          </p:cNvPr>
+          <p:cNvPicPr>
+            <a:picLocks noChangeAspect="1"/>
+          </p:cNvPicPr>
+          <p:nvPr/>
+        </p:nvPicPr>
+        <p:blipFill>
+          <a:blip r:embed="rId6"/>
+          <a:stretch>
+            <a:fillRect/>
+          </a:stretch>
+        </p:blipFill>
+        <p:spPr>
+          <a:xfrm>
+            <a:off x="785613" y="30937200"/>
+            <a:ext cx="10968831" cy="10679847"/>
+          </a:xfrm>
+          <a:prstGeom prst="rect">
+            <a:avLst/>
+          </a:prstGeom>
+        </p:spPr>
+      </p:pic>
+      <p:sp>
+        <p:nvSpPr>
+          <p:cNvPr id="16" name="TextBox 15">
+            <a:extLst>
+              <a:ext uri="{FF2B5EF4-FFF2-40B4-BE49-F238E27FC236}">
+                <a16:creationId xmlns:a16="http://schemas.microsoft.com/office/drawing/2014/main" id="{9B68FB49-AA2C-4470-A1BB-892046B21713}"/>
+              </a:ext>
+            </a:extLst>
+          </p:cNvPr>
+          <p:cNvSpPr txBox="1"/>
+          <p:nvPr/>
+        </p:nvSpPr>
+        <p:spPr>
+          <a:xfrm>
+            <a:off x="14351688" y="39090600"/>
+            <a:ext cx="18147612" cy="2893100"/>
+          </a:xfrm>
+          <a:prstGeom prst="rect">
+            <a:avLst/>
+          </a:prstGeom>
+          <a:noFill/>
+        </p:spPr>
+        <p:txBody>
+          <a:bodyPr wrap="square" rtlCol="0">
+            <a:spAutoFit/>
+          </a:bodyPr>
+          <a:lstStyle/>
+          <a:p>
+            <a:r>
+              <a:rPr lang="en-US" dirty="0"/>
+              <a:t>Development</a:t>
+            </a:r>
+          </a:p>
+          <a:p>
+            <a:r>
+              <a:rPr lang="en-US" sz="4800" dirty="0"/>
+              <a:t> - Learned A LOT about web application development</a:t>
+            </a:r>
+          </a:p>
+          <a:p>
+            <a:r>
+              <a:rPr lang="en-US" sz="4800" dirty="0"/>
+              <a:t> - Create more robust APIs between the DB/Controller/JS</a:t>
+            </a:r>
+          </a:p>
+        </p:txBody>
+      </p:sp>
     </p:spTree>
     <p:extLst>
       <p:ext uri="{BB962C8B-B14F-4D97-AF65-F5344CB8AC3E}">

--- a/Poster.pptx
+++ b/Poster.pptx
@@ -213,7 +213,7 @@
           <a:p>
             <a:fld id="{DCA15321-D945-4C39-A0F1-0189193F3860}" type="datetimeFigureOut">
               <a:rPr lang="en-US" smtClean="0"/>
-              <a:t>4/22/2018</a:t>
+              <a:t>4/24/2018</a:t>
             </a:fld>
             <a:endParaRPr lang="en-US"/>
           </a:p>
@@ -743,7 +743,7 @@
             <a:fld id="{9876F7F0-7CB2-44DF-8187-F3931CF59CB8}" type="datetimeFigureOut">
               <a:rPr lang="en-US" smtClean="0"/>
               <a:pPr/>
-              <a:t>4/22/2018</a:t>
+              <a:t>4/24/2018</a:t>
             </a:fld>
             <a:endParaRPr lang="en-US"/>
           </a:p>
@@ -908,7 +908,7 @@
             <a:fld id="{9876F7F0-7CB2-44DF-8187-F3931CF59CB8}" type="datetimeFigureOut">
               <a:rPr lang="en-US" smtClean="0"/>
               <a:pPr/>
-              <a:t>4/22/2018</a:t>
+              <a:t>4/24/2018</a:t>
             </a:fld>
             <a:endParaRPr lang="en-US"/>
           </a:p>
@@ -1083,7 +1083,7 @@
             <a:fld id="{9876F7F0-7CB2-44DF-8187-F3931CF59CB8}" type="datetimeFigureOut">
               <a:rPr lang="en-US" smtClean="0"/>
               <a:pPr/>
-              <a:t>4/22/2018</a:t>
+              <a:t>4/24/2018</a:t>
             </a:fld>
             <a:endParaRPr lang="en-US"/>
           </a:p>
@@ -1248,7 +1248,7 @@
             <a:fld id="{9876F7F0-7CB2-44DF-8187-F3931CF59CB8}" type="datetimeFigureOut">
               <a:rPr lang="en-US" smtClean="0"/>
               <a:pPr/>
-              <a:t>4/22/2018</a:t>
+              <a:t>4/24/2018</a:t>
             </a:fld>
             <a:endParaRPr lang="en-US"/>
           </a:p>
@@ -1490,7 +1490,7 @@
             <a:fld id="{9876F7F0-7CB2-44DF-8187-F3931CF59CB8}" type="datetimeFigureOut">
               <a:rPr lang="en-US" smtClean="0"/>
               <a:pPr/>
-              <a:t>4/22/2018</a:t>
+              <a:t>4/24/2018</a:t>
             </a:fld>
             <a:endParaRPr lang="en-US"/>
           </a:p>
@@ -1772,7 +1772,7 @@
             <a:fld id="{9876F7F0-7CB2-44DF-8187-F3931CF59CB8}" type="datetimeFigureOut">
               <a:rPr lang="en-US" smtClean="0"/>
               <a:pPr/>
-              <a:t>4/22/2018</a:t>
+              <a:t>4/24/2018</a:t>
             </a:fld>
             <a:endParaRPr lang="en-US"/>
           </a:p>
@@ -2188,7 +2188,7 @@
             <a:fld id="{9876F7F0-7CB2-44DF-8187-F3931CF59CB8}" type="datetimeFigureOut">
               <a:rPr lang="en-US" smtClean="0"/>
               <a:pPr/>
-              <a:t>4/22/2018</a:t>
+              <a:t>4/24/2018</a:t>
             </a:fld>
             <a:endParaRPr lang="en-US"/>
           </a:p>
@@ -2302,7 +2302,7 @@
             <a:fld id="{9876F7F0-7CB2-44DF-8187-F3931CF59CB8}" type="datetimeFigureOut">
               <a:rPr lang="en-US" smtClean="0"/>
               <a:pPr/>
-              <a:t>4/22/2018</a:t>
+              <a:t>4/24/2018</a:t>
             </a:fld>
             <a:endParaRPr lang="en-US"/>
           </a:p>
@@ -2394,7 +2394,7 @@
             <a:fld id="{9876F7F0-7CB2-44DF-8187-F3931CF59CB8}" type="datetimeFigureOut">
               <a:rPr lang="en-US" smtClean="0"/>
               <a:pPr/>
-              <a:t>4/22/2018</a:t>
+              <a:t>4/24/2018</a:t>
             </a:fld>
             <a:endParaRPr lang="en-US"/>
           </a:p>
@@ -2666,7 +2666,7 @@
             <a:fld id="{9876F7F0-7CB2-44DF-8187-F3931CF59CB8}" type="datetimeFigureOut">
               <a:rPr lang="en-US" smtClean="0"/>
               <a:pPr/>
-              <a:t>4/22/2018</a:t>
+              <a:t>4/24/2018</a:t>
             </a:fld>
             <a:endParaRPr lang="en-US"/>
           </a:p>
@@ -2915,7 +2915,7 @@
             <a:fld id="{9876F7F0-7CB2-44DF-8187-F3931CF59CB8}" type="datetimeFigureOut">
               <a:rPr lang="en-US" smtClean="0"/>
               <a:pPr/>
-              <a:t>4/22/2018</a:t>
+              <a:t>4/24/2018</a:t>
             </a:fld>
             <a:endParaRPr lang="en-US"/>
           </a:p>
@@ -3123,7 +3123,7 @@
             <a:fld id="{9876F7F0-7CB2-44DF-8187-F3931CF59CB8}" type="datetimeFigureOut">
               <a:rPr lang="en-US" smtClean="0"/>
               <a:pPr/>
-              <a:t>4/22/2018</a:t>
+              <a:t>4/24/2018</a:t>
             </a:fld>
             <a:endParaRPr lang="en-US"/>
           </a:p>
@@ -4932,53 +4932,6 @@
           </a:p>
         </p:txBody>
       </p:sp>
-      <p:pic>
-        <p:nvPicPr>
-          <p:cNvPr id="1026" name="Picture 2" descr="https://lh4.googleusercontent.com/EE3xvzVAxKeNjLqTz6XwvOoLRpvuFNgmEHK0U8yM67AGZeUUxhSGjH74smket4t1ytBTJaHuiVB8pj_uCPKqIkHf2ZzNkRZuFvOV7KyPbQoGjwkkNIXe_Gc8PIuxrg340kipThI">
-            <a:extLst>
-              <a:ext uri="{FF2B5EF4-FFF2-40B4-BE49-F238E27FC236}">
-                <a16:creationId xmlns:a16="http://schemas.microsoft.com/office/drawing/2014/main" id="{075891EC-B016-4E9F-8196-416D33F2AAC0}"/>
-              </a:ext>
-            </a:extLst>
-          </p:cNvPr>
-          <p:cNvPicPr>
-            <a:picLocks noChangeAspect="1" noChangeArrowheads="1"/>
-          </p:cNvPicPr>
-          <p:nvPr/>
-        </p:nvPicPr>
-        <p:blipFill>
-          <a:blip r:embed="rId2">
-            <a:extLst>
-              <a:ext uri="{28A0092B-C50C-407E-A947-70E740481C1C}">
-                <a14:useLocalDpi xmlns:a14="http://schemas.microsoft.com/office/drawing/2010/main" val="0"/>
-              </a:ext>
-            </a:extLst>
-          </a:blip>
-          <a:srcRect/>
-          <a:stretch>
-            <a:fillRect/>
-          </a:stretch>
-        </p:blipFill>
-        <p:spPr bwMode="auto">
-          <a:xfrm>
-            <a:off x="23346528" y="390021"/>
-            <a:ext cx="8352672" cy="6248400"/>
-          </a:xfrm>
-          <a:prstGeom prst="rect">
-            <a:avLst/>
-          </a:prstGeom>
-          <a:noFill/>
-          <a:extLst>
-            <a:ext uri="{909E8E84-426E-40DD-AFC4-6F175D3DCCD1}">
-              <a14:hiddenFill xmlns:a14="http://schemas.microsoft.com/office/drawing/2010/main">
-                <a:solidFill>
-                  <a:srgbClr val="FFFFFF"/>
-                </a:solidFill>
-              </a14:hiddenFill>
-            </a:ext>
-          </a:extLst>
-        </p:spPr>
-      </p:pic>
       <p:sp>
         <p:nvSpPr>
           <p:cNvPr id="5" name="TextBox 4">
@@ -5511,7 +5464,7 @@
           <p:nvPr/>
         </p:nvPicPr>
         <p:blipFill>
-          <a:blip r:embed="rId3"/>
+          <a:blip r:embed="rId2"/>
           <a:stretch>
             <a:fillRect/>
           </a:stretch>
@@ -5541,7 +5494,7 @@
           <p:nvPr/>
         </p:nvPicPr>
         <p:blipFill>
-          <a:blip r:embed="rId4"/>
+          <a:blip r:embed="rId3"/>
           <a:stretch>
             <a:fillRect/>
           </a:stretch>
@@ -5571,7 +5524,7 @@
           <p:nvPr/>
         </p:nvPicPr>
         <p:blipFill>
-          <a:blip r:embed="rId5"/>
+          <a:blip r:embed="rId4"/>
           <a:stretch>
             <a:fillRect/>
           </a:stretch>
@@ -5601,7 +5554,7 @@
           <p:nvPr/>
         </p:nvPicPr>
         <p:blipFill>
-          <a:blip r:embed="rId6"/>
+          <a:blip r:embed="rId5"/>
           <a:stretch>
             <a:fillRect/>
           </a:stretch>
@@ -5663,6 +5616,36 @@
           </a:p>
         </p:txBody>
       </p:sp>
+      <p:pic>
+        <p:nvPicPr>
+          <p:cNvPr id="18" name="Picture 17">
+            <a:extLst>
+              <a:ext uri="{FF2B5EF4-FFF2-40B4-BE49-F238E27FC236}">
+                <a16:creationId xmlns:a16="http://schemas.microsoft.com/office/drawing/2014/main" id="{440ADCDF-761C-4835-AA72-3784C50D23A3}"/>
+              </a:ext>
+            </a:extLst>
+          </p:cNvPr>
+          <p:cNvPicPr>
+            <a:picLocks noChangeAspect="1"/>
+          </p:cNvPicPr>
+          <p:nvPr/>
+        </p:nvPicPr>
+        <p:blipFill>
+          <a:blip r:embed="rId6"/>
+          <a:stretch>
+            <a:fillRect/>
+          </a:stretch>
+        </p:blipFill>
+        <p:spPr>
+          <a:xfrm>
+            <a:off x="20116800" y="1657975"/>
+            <a:ext cx="11096625" cy="4410075"/>
+          </a:xfrm>
+          <a:prstGeom prst="rect">
+            <a:avLst/>
+          </a:prstGeom>
+        </p:spPr>
+      </p:pic>
     </p:spTree>
     <p:extLst>
       <p:ext uri="{BB962C8B-B14F-4D97-AF65-F5344CB8AC3E}">
